--- a/Presentations/Thesis progress.pptx
+++ b/Presentations/Thesis progress.pptx
@@ -10,6 +10,18 @@
     <p:sldId id="257" r:id="rId4"/>
     <p:sldId id="258" r:id="rId5"/>
     <p:sldId id="260" r:id="rId6"/>
+    <p:sldId id="261" r:id="rId7"/>
+    <p:sldId id="262" r:id="rId8"/>
+    <p:sldId id="263" r:id="rId9"/>
+    <p:sldId id="264" r:id="rId10"/>
+    <p:sldId id="265" r:id="rId11"/>
+    <p:sldId id="266" r:id="rId12"/>
+    <p:sldId id="267" r:id="rId13"/>
+    <p:sldId id="269" r:id="rId14"/>
+    <p:sldId id="270" r:id="rId15"/>
+    <p:sldId id="271" r:id="rId16"/>
+    <p:sldId id="272" r:id="rId17"/>
+    <p:sldId id="268" r:id="rId18"/>
   </p:sldIdLst>
   <p:sldSz cx="12192000" cy="6858000"/>
   <p:notesSz cx="6858000" cy="9144000"/>
@@ -265,7 +277,7 @@
           <a:p>
             <a:fld id="{1292761D-8CBF-4124-BD4D-DBB60BFFE293}" type="datetimeFigureOut">
               <a:rPr lang="en-CA" smtClean="0"/>
-              <a:t>2021-03-26</a:t>
+              <a:t>2021-10-13</a:t>
             </a:fld>
             <a:endParaRPr lang="en-CA"/>
           </a:p>
@@ -465,7 +477,7 @@
           <a:p>
             <a:fld id="{1292761D-8CBF-4124-BD4D-DBB60BFFE293}" type="datetimeFigureOut">
               <a:rPr lang="en-CA" smtClean="0"/>
-              <a:t>2021-03-26</a:t>
+              <a:t>2021-10-13</a:t>
             </a:fld>
             <a:endParaRPr lang="en-CA"/>
           </a:p>
@@ -675,7 +687,7 @@
           <a:p>
             <a:fld id="{1292761D-8CBF-4124-BD4D-DBB60BFFE293}" type="datetimeFigureOut">
               <a:rPr lang="en-CA" smtClean="0"/>
-              <a:t>2021-03-26</a:t>
+              <a:t>2021-10-13</a:t>
             </a:fld>
             <a:endParaRPr lang="en-CA"/>
           </a:p>
@@ -875,7 +887,7 @@
           <a:p>
             <a:fld id="{1292761D-8CBF-4124-BD4D-DBB60BFFE293}" type="datetimeFigureOut">
               <a:rPr lang="en-CA" smtClean="0"/>
-              <a:t>2021-03-26</a:t>
+              <a:t>2021-10-13</a:t>
             </a:fld>
             <a:endParaRPr lang="en-CA"/>
           </a:p>
@@ -1151,7 +1163,7 @@
           <a:p>
             <a:fld id="{1292761D-8CBF-4124-BD4D-DBB60BFFE293}" type="datetimeFigureOut">
               <a:rPr lang="en-CA" smtClean="0"/>
-              <a:t>2021-03-26</a:t>
+              <a:t>2021-10-13</a:t>
             </a:fld>
             <a:endParaRPr lang="en-CA"/>
           </a:p>
@@ -1419,7 +1431,7 @@
           <a:p>
             <a:fld id="{1292761D-8CBF-4124-BD4D-DBB60BFFE293}" type="datetimeFigureOut">
               <a:rPr lang="en-CA" smtClean="0"/>
-              <a:t>2021-03-26</a:t>
+              <a:t>2021-10-13</a:t>
             </a:fld>
             <a:endParaRPr lang="en-CA"/>
           </a:p>
@@ -1834,7 +1846,7 @@
           <a:p>
             <a:fld id="{1292761D-8CBF-4124-BD4D-DBB60BFFE293}" type="datetimeFigureOut">
               <a:rPr lang="en-CA" smtClean="0"/>
-              <a:t>2021-03-26</a:t>
+              <a:t>2021-10-13</a:t>
             </a:fld>
             <a:endParaRPr lang="en-CA"/>
           </a:p>
@@ -1976,7 +1988,7 @@
           <a:p>
             <a:fld id="{1292761D-8CBF-4124-BD4D-DBB60BFFE293}" type="datetimeFigureOut">
               <a:rPr lang="en-CA" smtClean="0"/>
-              <a:t>2021-03-26</a:t>
+              <a:t>2021-10-13</a:t>
             </a:fld>
             <a:endParaRPr lang="en-CA"/>
           </a:p>
@@ -2089,7 +2101,7 @@
           <a:p>
             <a:fld id="{1292761D-8CBF-4124-BD4D-DBB60BFFE293}" type="datetimeFigureOut">
               <a:rPr lang="en-CA" smtClean="0"/>
-              <a:t>2021-03-26</a:t>
+              <a:t>2021-10-13</a:t>
             </a:fld>
             <a:endParaRPr lang="en-CA"/>
           </a:p>
@@ -2402,7 +2414,7 @@
           <a:p>
             <a:fld id="{1292761D-8CBF-4124-BD4D-DBB60BFFE293}" type="datetimeFigureOut">
               <a:rPr lang="en-CA" smtClean="0"/>
-              <a:t>2021-03-26</a:t>
+              <a:t>2021-10-13</a:t>
             </a:fld>
             <a:endParaRPr lang="en-CA"/>
           </a:p>
@@ -2691,7 +2703,7 @@
           <a:p>
             <a:fld id="{1292761D-8CBF-4124-BD4D-DBB60BFFE293}" type="datetimeFigureOut">
               <a:rPr lang="en-CA" smtClean="0"/>
-              <a:t>2021-03-26</a:t>
+              <a:t>2021-10-13</a:t>
             </a:fld>
             <a:endParaRPr lang="en-CA"/>
           </a:p>
@@ -2934,7 +2946,7 @@
           <a:p>
             <a:fld id="{1292761D-8CBF-4124-BD4D-DBB60BFFE293}" type="datetimeFigureOut">
               <a:rPr lang="en-CA" smtClean="0"/>
-              <a:t>2021-03-26</a:t>
+              <a:t>2021-10-13</a:t>
             </a:fld>
             <a:endParaRPr lang="en-CA"/>
           </a:p>
@@ -3422,6 +3434,1318 @@
 </p:sld>
 </file>
 
+<file path=ppt/slides/slide10.xml><?xml version="1.0" encoding="utf-8"?>
+<p:sld xmlns:a="http://schemas.openxmlformats.org/drawingml/2006/main" xmlns:r="http://schemas.openxmlformats.org/officeDocument/2006/relationships" xmlns:p="http://schemas.openxmlformats.org/presentationml/2006/main">
+  <p:cSld>
+    <p:spTree>
+      <p:nvGrpSpPr>
+        <p:cNvPr id="1" name=""/>
+        <p:cNvGrpSpPr/>
+        <p:nvPr/>
+      </p:nvGrpSpPr>
+      <p:grpSpPr>
+        <a:xfrm>
+          <a:off x="0" y="0"/>
+          <a:ext cx="0" cy="0"/>
+          <a:chOff x="0" y="0"/>
+          <a:chExt cx="0" cy="0"/>
+        </a:xfrm>
+      </p:grpSpPr>
+      <p:sp>
+        <p:nvSpPr>
+          <p:cNvPr id="2" name="Title 1">
+            <a:extLst>
+              <a:ext uri="{FF2B5EF4-FFF2-40B4-BE49-F238E27FC236}">
+                <a16:creationId xmlns:a16="http://schemas.microsoft.com/office/drawing/2014/main" id="{15123D18-17E5-4103-9DA6-6802DBE01B5C}"/>
+              </a:ext>
+            </a:extLst>
+          </p:cNvPr>
+          <p:cNvSpPr>
+            <a:spLocks noGrp="1"/>
+          </p:cNvSpPr>
+          <p:nvPr>
+            <p:ph type="title"/>
+          </p:nvPr>
+        </p:nvSpPr>
+        <p:spPr/>
+        <p:txBody>
+          <a:bodyPr/>
+          <a:lstStyle/>
+          <a:p>
+            <a:r>
+              <a:rPr lang="en-GB" dirty="0"/>
+              <a:t>October 5, 2021</a:t>
+            </a:r>
+            <a:endParaRPr lang="en-CA" dirty="0"/>
+          </a:p>
+        </p:txBody>
+      </p:sp>
+      <p:sp>
+        <p:nvSpPr>
+          <p:cNvPr id="3" name="Content Placeholder 2">
+            <a:extLst>
+              <a:ext uri="{FF2B5EF4-FFF2-40B4-BE49-F238E27FC236}">
+                <a16:creationId xmlns:a16="http://schemas.microsoft.com/office/drawing/2014/main" id="{3D0286AB-898D-446B-9314-545620514C6F}"/>
+              </a:ext>
+            </a:extLst>
+          </p:cNvPr>
+          <p:cNvSpPr>
+            <a:spLocks noGrp="1"/>
+          </p:cNvSpPr>
+          <p:nvPr>
+            <p:ph idx="1"/>
+          </p:nvPr>
+        </p:nvSpPr>
+        <p:spPr/>
+        <p:txBody>
+          <a:bodyPr>
+            <a:normAutofit fontScale="92500" lnSpcReduction="10000"/>
+          </a:bodyPr>
+          <a:lstStyle/>
+          <a:p>
+            <a:r>
+              <a:rPr lang="en-GB" dirty="0"/>
+              <a:t>Switched to </a:t>
+            </a:r>
+            <a:r>
+              <a:rPr lang="en-GB" dirty="0" err="1"/>
+              <a:t>plotly</a:t>
+            </a:r>
+            <a:r>
+              <a:rPr lang="en-GB" dirty="0"/>
+              <a:t>:</a:t>
+            </a:r>
+          </a:p>
+          <a:p>
+            <a:pPr lvl="1"/>
+            <a:r>
+              <a:rPr lang="en-GB" dirty="0"/>
+              <a:t>interactive plotting </a:t>
+            </a:r>
+          </a:p>
+          <a:p>
+            <a:pPr lvl="1"/>
+            <a:r>
+              <a:rPr lang="en-GB" dirty="0"/>
+              <a:t>easy to pan around and explore multiple date ranges</a:t>
+            </a:r>
+          </a:p>
+          <a:p>
+            <a:pPr lvl="2"/>
+            <a:r>
+              <a:rPr lang="en-GB" dirty="0"/>
+              <a:t>needs more work </a:t>
+            </a:r>
+          </a:p>
+          <a:p>
+            <a:pPr lvl="1"/>
+            <a:r>
+              <a:rPr lang="en-GB" dirty="0"/>
+              <a:t>some advice on visualisation for big data</a:t>
+            </a:r>
+          </a:p>
+          <a:p>
+            <a:r>
+              <a:rPr lang="en-GB" dirty="0"/>
+              <a:t>on-site observed data</a:t>
+            </a:r>
+          </a:p>
+          <a:p>
+            <a:pPr lvl="1"/>
+            <a:r>
+              <a:rPr lang="en-GB" dirty="0"/>
+              <a:t>application submitted. was told 3-4 days after payment is done</a:t>
+            </a:r>
+          </a:p>
+          <a:p>
+            <a:pPr lvl="1"/>
+            <a:r>
+              <a:rPr lang="en-GB" dirty="0"/>
+              <a:t>explore data from one of the sites available</a:t>
+            </a:r>
+          </a:p>
+          <a:p>
+            <a:pPr lvl="2"/>
+            <a:r>
+              <a:rPr lang="en-GB" dirty="0"/>
+              <a:t>only for the high flow season. </a:t>
+            </a:r>
+          </a:p>
+          <a:p>
+            <a:r>
+              <a:rPr lang="en-GB" dirty="0"/>
+              <a:t>thesis writing</a:t>
+            </a:r>
+          </a:p>
+          <a:p>
+            <a:pPr lvl="1"/>
+            <a:r>
+              <a:rPr lang="en-GB" dirty="0"/>
+              <a:t>checked formatting requirements</a:t>
+            </a:r>
+          </a:p>
+          <a:p>
+            <a:pPr lvl="1"/>
+            <a:r>
+              <a:rPr lang="en-GB" dirty="0"/>
+              <a:t> </a:t>
+            </a:r>
+          </a:p>
+        </p:txBody>
+      </p:sp>
+    </p:spTree>
+    <p:extLst>
+      <p:ext uri="{BB962C8B-B14F-4D97-AF65-F5344CB8AC3E}">
+        <p14:creationId xmlns:p14="http://schemas.microsoft.com/office/powerpoint/2010/main" val="2258693790"/>
+      </p:ext>
+    </p:extLst>
+  </p:cSld>
+  <p:clrMapOvr>
+    <a:masterClrMapping/>
+  </p:clrMapOvr>
+</p:sld>
+</file>
+
+<file path=ppt/slides/slide11.xml><?xml version="1.0" encoding="utf-8"?>
+<p:sld xmlns:a="http://schemas.openxmlformats.org/drawingml/2006/main" xmlns:r="http://schemas.openxmlformats.org/officeDocument/2006/relationships" xmlns:p="http://schemas.openxmlformats.org/presentationml/2006/main">
+  <p:cSld>
+    <p:spTree>
+      <p:nvGrpSpPr>
+        <p:cNvPr id="1" name=""/>
+        <p:cNvGrpSpPr/>
+        <p:nvPr/>
+      </p:nvGrpSpPr>
+      <p:grpSpPr>
+        <a:xfrm>
+          <a:off x="0" y="0"/>
+          <a:ext cx="0" cy="0"/>
+          <a:chOff x="0" y="0"/>
+          <a:chExt cx="0" cy="0"/>
+        </a:xfrm>
+      </p:grpSpPr>
+      <p:sp>
+        <p:nvSpPr>
+          <p:cNvPr id="2" name="Title 1">
+            <a:extLst>
+              <a:ext uri="{FF2B5EF4-FFF2-40B4-BE49-F238E27FC236}">
+                <a16:creationId xmlns:a16="http://schemas.microsoft.com/office/drawing/2014/main" id="{640D4AF1-7AAF-433B-A4E1-B4B60F91A34A}"/>
+              </a:ext>
+            </a:extLst>
+          </p:cNvPr>
+          <p:cNvSpPr>
+            <a:spLocks noGrp="1"/>
+          </p:cNvSpPr>
+          <p:nvPr>
+            <p:ph type="title"/>
+          </p:nvPr>
+        </p:nvSpPr>
+        <p:spPr/>
+        <p:txBody>
+          <a:bodyPr/>
+          <a:lstStyle/>
+          <a:p>
+            <a:r>
+              <a:rPr lang="en-GB" dirty="0"/>
+              <a:t>Next week</a:t>
+            </a:r>
+            <a:endParaRPr lang="en-CA" dirty="0"/>
+          </a:p>
+        </p:txBody>
+      </p:sp>
+      <p:sp>
+        <p:nvSpPr>
+          <p:cNvPr id="3" name="Content Placeholder 2">
+            <a:extLst>
+              <a:ext uri="{FF2B5EF4-FFF2-40B4-BE49-F238E27FC236}">
+                <a16:creationId xmlns:a16="http://schemas.microsoft.com/office/drawing/2014/main" id="{83E98FEB-BE35-4A80-84F2-3279D8CF92C0}"/>
+              </a:ext>
+            </a:extLst>
+          </p:cNvPr>
+          <p:cNvSpPr>
+            <a:spLocks noGrp="1"/>
+          </p:cNvSpPr>
+          <p:nvPr>
+            <p:ph idx="1"/>
+          </p:nvPr>
+        </p:nvSpPr>
+        <p:spPr/>
+        <p:txBody>
+          <a:bodyPr/>
+          <a:lstStyle/>
+          <a:p>
+            <a:r>
+              <a:rPr lang="en-GB" dirty="0"/>
+              <a:t>results from the high flow data of from one of the HPP sites:</a:t>
+            </a:r>
+          </a:p>
+          <a:p>
+            <a:pPr lvl="1"/>
+            <a:r>
+              <a:rPr lang="en-GB" dirty="0"/>
+              <a:t>plots</a:t>
+            </a:r>
+          </a:p>
+          <a:p>
+            <a:pPr lvl="1"/>
+            <a:r>
+              <a:rPr lang="en-GB" dirty="0"/>
+              <a:t>Nash-Sutcliffe score</a:t>
+            </a:r>
+          </a:p>
+          <a:p>
+            <a:pPr lvl="1"/>
+            <a:r>
+              <a:rPr lang="en-GB" dirty="0"/>
+              <a:t>general performance of the bias correction schemes</a:t>
+            </a:r>
+          </a:p>
+          <a:p>
+            <a:r>
+              <a:rPr lang="en-GB" dirty="0"/>
+              <a:t>some progress with writing</a:t>
+            </a:r>
+          </a:p>
+          <a:p>
+            <a:r>
+              <a:rPr lang="en-GB" dirty="0"/>
+              <a:t>Other verification statistics – contact Greg West</a:t>
+            </a:r>
+          </a:p>
+          <a:p>
+            <a:r>
+              <a:rPr lang="en-GB" dirty="0"/>
+              <a:t>look into WRF solar code and check </a:t>
+            </a:r>
+            <a:r>
+              <a:rPr lang="en-GB"/>
+              <a:t>the parameterizations used. </a:t>
+            </a:r>
+            <a:endParaRPr lang="en-GB" dirty="0"/>
+          </a:p>
+          <a:p>
+            <a:endParaRPr lang="en-GB" dirty="0"/>
+          </a:p>
+          <a:p>
+            <a:pPr lvl="1"/>
+            <a:endParaRPr lang="en-CA" dirty="0"/>
+          </a:p>
+        </p:txBody>
+      </p:sp>
+    </p:spTree>
+    <p:extLst>
+      <p:ext uri="{BB962C8B-B14F-4D97-AF65-F5344CB8AC3E}">
+        <p14:creationId xmlns:p14="http://schemas.microsoft.com/office/powerpoint/2010/main" val="3392468361"/>
+      </p:ext>
+    </p:extLst>
+  </p:cSld>
+  <p:clrMapOvr>
+    <a:masterClrMapping/>
+  </p:clrMapOvr>
+</p:sld>
+</file>
+
+<file path=ppt/slides/slide12.xml><?xml version="1.0" encoding="utf-8"?>
+<p:sld xmlns:a="http://schemas.openxmlformats.org/drawingml/2006/main" xmlns:r="http://schemas.openxmlformats.org/officeDocument/2006/relationships" xmlns:p="http://schemas.openxmlformats.org/presentationml/2006/main">
+  <p:cSld>
+    <p:spTree>
+      <p:nvGrpSpPr>
+        <p:cNvPr id="1" name=""/>
+        <p:cNvGrpSpPr/>
+        <p:nvPr/>
+      </p:nvGrpSpPr>
+      <p:grpSpPr>
+        <a:xfrm>
+          <a:off x="0" y="0"/>
+          <a:ext cx="0" cy="0"/>
+          <a:chOff x="0" y="0"/>
+          <a:chExt cx="0" cy="0"/>
+        </a:xfrm>
+      </p:grpSpPr>
+      <p:sp>
+        <p:nvSpPr>
+          <p:cNvPr id="2" name="Title 1">
+            <a:extLst>
+              <a:ext uri="{FF2B5EF4-FFF2-40B4-BE49-F238E27FC236}">
+                <a16:creationId xmlns:a16="http://schemas.microsoft.com/office/drawing/2014/main" id="{4EA73D75-034C-4B35-AC6D-BD1C174E6DD4}"/>
+              </a:ext>
+            </a:extLst>
+          </p:cNvPr>
+          <p:cNvSpPr>
+            <a:spLocks noGrp="1"/>
+          </p:cNvSpPr>
+          <p:nvPr>
+            <p:ph type="title"/>
+          </p:nvPr>
+        </p:nvSpPr>
+        <p:spPr/>
+        <p:txBody>
+          <a:bodyPr/>
+          <a:lstStyle/>
+          <a:p>
+            <a:r>
+              <a:rPr lang="en-GB" dirty="0"/>
+              <a:t>Oct 13, 2021</a:t>
+            </a:r>
+            <a:endParaRPr lang="en-CA" dirty="0"/>
+          </a:p>
+        </p:txBody>
+      </p:sp>
+      <p:sp>
+        <p:nvSpPr>
+          <p:cNvPr id="3" name="Content Placeholder 2">
+            <a:extLst>
+              <a:ext uri="{FF2B5EF4-FFF2-40B4-BE49-F238E27FC236}">
+                <a16:creationId xmlns:a16="http://schemas.microsoft.com/office/drawing/2014/main" id="{82B4D77A-6340-4C32-9B31-D6913AFC16F0}"/>
+              </a:ext>
+            </a:extLst>
+          </p:cNvPr>
+          <p:cNvSpPr>
+            <a:spLocks noGrp="1"/>
+          </p:cNvSpPr>
+          <p:nvPr>
+            <p:ph idx="1"/>
+          </p:nvPr>
+        </p:nvSpPr>
+        <p:spPr/>
+        <p:txBody>
+          <a:bodyPr/>
+          <a:lstStyle/>
+          <a:p>
+            <a:r>
+              <a:rPr lang="en-GB" dirty="0"/>
+              <a:t>NSE calculation</a:t>
+            </a:r>
+          </a:p>
+          <a:p>
+            <a:r>
+              <a:rPr lang="en-GB" dirty="0"/>
+              <a:t>idea for new module exercise using WRF solar</a:t>
+            </a:r>
+          </a:p>
+          <a:p>
+            <a:endParaRPr lang="en-GB" dirty="0"/>
+          </a:p>
+        </p:txBody>
+      </p:sp>
+    </p:spTree>
+    <p:extLst>
+      <p:ext uri="{BB962C8B-B14F-4D97-AF65-F5344CB8AC3E}">
+        <p14:creationId xmlns:p14="http://schemas.microsoft.com/office/powerpoint/2010/main" val="1368018311"/>
+      </p:ext>
+    </p:extLst>
+  </p:cSld>
+  <p:clrMapOvr>
+    <a:masterClrMapping/>
+  </p:clrMapOvr>
+</p:sld>
+</file>
+
+<file path=ppt/slides/slide13.xml><?xml version="1.0" encoding="utf-8"?>
+<p:sld xmlns:a="http://schemas.openxmlformats.org/drawingml/2006/main" xmlns:r="http://schemas.openxmlformats.org/officeDocument/2006/relationships" xmlns:p="http://schemas.openxmlformats.org/presentationml/2006/main">
+  <p:cSld>
+    <p:spTree>
+      <p:nvGrpSpPr>
+        <p:cNvPr id="1" name=""/>
+        <p:cNvGrpSpPr/>
+        <p:nvPr/>
+      </p:nvGrpSpPr>
+      <p:grpSpPr>
+        <a:xfrm>
+          <a:off x="0" y="0"/>
+          <a:ext cx="0" cy="0"/>
+          <a:chOff x="0" y="0"/>
+          <a:chExt cx="0" cy="0"/>
+        </a:xfrm>
+      </p:grpSpPr>
+      <p:sp>
+        <p:nvSpPr>
+          <p:cNvPr id="2" name="Title 1">
+            <a:extLst>
+              <a:ext uri="{FF2B5EF4-FFF2-40B4-BE49-F238E27FC236}">
+                <a16:creationId xmlns:a16="http://schemas.microsoft.com/office/drawing/2014/main" id="{0966719E-94BF-484E-BFF3-7935F46EF0CE}"/>
+              </a:ext>
+            </a:extLst>
+          </p:cNvPr>
+          <p:cNvSpPr>
+            <a:spLocks noGrp="1"/>
+          </p:cNvSpPr>
+          <p:nvPr>
+            <p:ph type="title"/>
+          </p:nvPr>
+        </p:nvSpPr>
+        <p:spPr/>
+        <p:txBody>
+          <a:bodyPr/>
+          <a:lstStyle/>
+          <a:p>
+            <a:r>
+              <a:rPr lang="en-GB" dirty="0"/>
+              <a:t>Ground based measurement</a:t>
+            </a:r>
+            <a:endParaRPr lang="en-CA" dirty="0"/>
+          </a:p>
+        </p:txBody>
+      </p:sp>
+      <p:sp>
+        <p:nvSpPr>
+          <p:cNvPr id="3" name="Content Placeholder 2">
+            <a:extLst>
+              <a:ext uri="{FF2B5EF4-FFF2-40B4-BE49-F238E27FC236}">
+                <a16:creationId xmlns:a16="http://schemas.microsoft.com/office/drawing/2014/main" id="{50B90E10-930F-415C-AF13-4B3CF26A3251}"/>
+              </a:ext>
+            </a:extLst>
+          </p:cNvPr>
+          <p:cNvSpPr>
+            <a:spLocks noGrp="1"/>
+          </p:cNvSpPr>
+          <p:nvPr>
+            <p:ph idx="1"/>
+          </p:nvPr>
+        </p:nvSpPr>
+        <p:spPr>
+          <a:xfrm>
+            <a:off x="832092" y="1825625"/>
+            <a:ext cx="10515600" cy="4351338"/>
+          </a:xfrm>
+        </p:spPr>
+        <p:txBody>
+          <a:bodyPr/>
+          <a:lstStyle/>
+          <a:p>
+            <a:r>
+              <a:rPr lang="en-GB" dirty="0"/>
+              <a:t>Site: </a:t>
+            </a:r>
+            <a:r>
+              <a:rPr lang="en-GB" dirty="0" err="1"/>
+              <a:t>Marsyangdi</a:t>
+            </a:r>
+            <a:endParaRPr lang="en-GB" dirty="0"/>
+          </a:p>
+          <a:p>
+            <a:r>
+              <a:rPr lang="en-GB" dirty="0"/>
+              <a:t>Location: central Nepal</a:t>
+            </a:r>
+          </a:p>
+          <a:p>
+            <a:r>
+              <a:rPr lang="en-GB" dirty="0"/>
+              <a:t>data used:</a:t>
+            </a:r>
+          </a:p>
+          <a:p>
+            <a:pPr lvl="1"/>
+            <a:r>
+              <a:rPr lang="en-GB" dirty="0"/>
+              <a:t>start: May 14, 2020</a:t>
+            </a:r>
+          </a:p>
+          <a:p>
+            <a:pPr lvl="1"/>
+            <a:r>
+              <a:rPr lang="en-CA" dirty="0"/>
+              <a:t>end: Dec 15, 2020</a:t>
+            </a:r>
+          </a:p>
+        </p:txBody>
+      </p:sp>
+      <p:pic>
+        <p:nvPicPr>
+          <p:cNvPr id="9" name="Picture 8">
+            <a:extLst>
+              <a:ext uri="{FF2B5EF4-FFF2-40B4-BE49-F238E27FC236}">
+                <a16:creationId xmlns:a16="http://schemas.microsoft.com/office/drawing/2014/main" id="{DF6428F1-C3B4-4E7F-B4C0-EDAC1307A8EA}"/>
+              </a:ext>
+            </a:extLst>
+          </p:cNvPr>
+          <p:cNvPicPr>
+            <a:picLocks noChangeAspect="1"/>
+          </p:cNvPicPr>
+          <p:nvPr/>
+        </p:nvPicPr>
+        <p:blipFill>
+          <a:blip r:embed="rId2"/>
+          <a:stretch>
+            <a:fillRect/>
+          </a:stretch>
+        </p:blipFill>
+        <p:spPr>
+          <a:xfrm>
+            <a:off x="5460654" y="3181161"/>
+            <a:ext cx="6731346" cy="3676839"/>
+          </a:xfrm>
+          <a:prstGeom prst="rect">
+            <a:avLst/>
+          </a:prstGeom>
+        </p:spPr>
+      </p:pic>
+      <p:pic>
+        <p:nvPicPr>
+          <p:cNvPr id="11" name="Picture 10">
+            <a:extLst>
+              <a:ext uri="{FF2B5EF4-FFF2-40B4-BE49-F238E27FC236}">
+                <a16:creationId xmlns:a16="http://schemas.microsoft.com/office/drawing/2014/main" id="{13F7035E-8D6A-4C98-BE78-AF28C98E93A7}"/>
+              </a:ext>
+            </a:extLst>
+          </p:cNvPr>
+          <p:cNvPicPr>
+            <a:picLocks noChangeAspect="1"/>
+          </p:cNvPicPr>
+          <p:nvPr/>
+        </p:nvPicPr>
+        <p:blipFill>
+          <a:blip r:embed="rId3"/>
+          <a:stretch>
+            <a:fillRect/>
+          </a:stretch>
+        </p:blipFill>
+        <p:spPr>
+          <a:xfrm>
+            <a:off x="8314440" y="0"/>
+            <a:ext cx="3877559" cy="3195844"/>
+          </a:xfrm>
+          <a:prstGeom prst="rect">
+            <a:avLst/>
+          </a:prstGeom>
+        </p:spPr>
+      </p:pic>
+      <p:sp>
+        <p:nvSpPr>
+          <p:cNvPr id="12" name="Rectangle 11">
+            <a:extLst>
+              <a:ext uri="{FF2B5EF4-FFF2-40B4-BE49-F238E27FC236}">
+                <a16:creationId xmlns:a16="http://schemas.microsoft.com/office/drawing/2014/main" id="{01914633-B272-4F58-900D-FF59103AD7CB}"/>
+              </a:ext>
+            </a:extLst>
+          </p:cNvPr>
+          <p:cNvSpPr/>
+          <p:nvPr/>
+        </p:nvSpPr>
+        <p:spPr>
+          <a:xfrm>
+            <a:off x="8521831" y="4760536"/>
+            <a:ext cx="1696825" cy="1416427"/>
+          </a:xfrm>
+          <a:prstGeom prst="rect">
+            <a:avLst/>
+          </a:prstGeom>
+          <a:noFill/>
+          <a:ln>
+            <a:prstDash val="dash"/>
+          </a:ln>
+        </p:spPr>
+        <p:style>
+          <a:lnRef idx="2">
+            <a:schemeClr val="accent1">
+              <a:shade val="50000"/>
+            </a:schemeClr>
+          </a:lnRef>
+          <a:fillRef idx="1">
+            <a:schemeClr val="accent1"/>
+          </a:fillRef>
+          <a:effectRef idx="0">
+            <a:schemeClr val="accent1"/>
+          </a:effectRef>
+          <a:fontRef idx="minor">
+            <a:schemeClr val="lt1"/>
+          </a:fontRef>
+        </p:style>
+        <p:txBody>
+          <a:bodyPr rtlCol="0" anchor="ctr"/>
+          <a:lstStyle/>
+          <a:p>
+            <a:pPr algn="ctr"/>
+            <a:endParaRPr lang="en-CA"/>
+          </a:p>
+        </p:txBody>
+      </p:sp>
+    </p:spTree>
+    <p:extLst>
+      <p:ext uri="{BB962C8B-B14F-4D97-AF65-F5344CB8AC3E}">
+        <p14:creationId xmlns:p14="http://schemas.microsoft.com/office/powerpoint/2010/main" val="94999845"/>
+      </p:ext>
+    </p:extLst>
+  </p:cSld>
+  <p:clrMapOvr>
+    <a:masterClrMapping/>
+  </p:clrMapOvr>
+</p:sld>
+</file>
+
+<file path=ppt/slides/slide14.xml><?xml version="1.0" encoding="utf-8"?>
+<p:sld xmlns:a="http://schemas.openxmlformats.org/drawingml/2006/main" xmlns:r="http://schemas.openxmlformats.org/officeDocument/2006/relationships" xmlns:p="http://schemas.openxmlformats.org/presentationml/2006/main">
+  <p:cSld>
+    <p:spTree>
+      <p:nvGrpSpPr>
+        <p:cNvPr id="1" name=""/>
+        <p:cNvGrpSpPr/>
+        <p:nvPr/>
+      </p:nvGrpSpPr>
+      <p:grpSpPr>
+        <a:xfrm>
+          <a:off x="0" y="0"/>
+          <a:ext cx="0" cy="0"/>
+          <a:chOff x="0" y="0"/>
+          <a:chExt cx="0" cy="0"/>
+        </a:xfrm>
+      </p:grpSpPr>
+      <p:sp>
+        <p:nvSpPr>
+          <p:cNvPr id="2" name="Title 1">
+            <a:extLst>
+              <a:ext uri="{FF2B5EF4-FFF2-40B4-BE49-F238E27FC236}">
+                <a16:creationId xmlns:a16="http://schemas.microsoft.com/office/drawing/2014/main" id="{A22CD648-E0BF-48B2-AB9A-0C6FA507230E}"/>
+              </a:ext>
+            </a:extLst>
+          </p:cNvPr>
+          <p:cNvSpPr>
+            <a:spLocks noGrp="1"/>
+          </p:cNvSpPr>
+          <p:nvPr>
+            <p:ph type="title"/>
+          </p:nvPr>
+        </p:nvSpPr>
+        <p:spPr/>
+        <p:txBody>
+          <a:bodyPr/>
+          <a:lstStyle/>
+          <a:p>
+            <a:r>
+              <a:rPr lang="en-GB" dirty="0"/>
+              <a:t>NSE </a:t>
+            </a:r>
+            <a:endParaRPr lang="en-CA" dirty="0"/>
+          </a:p>
+        </p:txBody>
+      </p:sp>
+      <p:sp>
+        <p:nvSpPr>
+          <p:cNvPr id="3" name="Content Placeholder 2">
+            <a:extLst>
+              <a:ext uri="{FF2B5EF4-FFF2-40B4-BE49-F238E27FC236}">
+                <a16:creationId xmlns:a16="http://schemas.microsoft.com/office/drawing/2014/main" id="{0EC161E9-32F9-4DA0-B347-98520877C3E6}"/>
+              </a:ext>
+            </a:extLst>
+          </p:cNvPr>
+          <p:cNvSpPr>
+            <a:spLocks noGrp="1"/>
+          </p:cNvSpPr>
+          <p:nvPr>
+            <p:ph idx="1"/>
+          </p:nvPr>
+        </p:nvSpPr>
+        <p:spPr/>
+        <p:txBody>
+          <a:bodyPr/>
+          <a:lstStyle/>
+          <a:p>
+            <a:endParaRPr lang="en-GB" dirty="0"/>
+          </a:p>
+          <a:p>
+            <a:r>
+              <a:rPr lang="en-GB" dirty="0" err="1"/>
+              <a:t>Q_m</a:t>
+            </a:r>
+            <a:r>
+              <a:rPr lang="en-GB" dirty="0"/>
+              <a:t> = modelled | </a:t>
+            </a:r>
+            <a:r>
+              <a:rPr lang="en-GB" dirty="0" err="1"/>
+              <a:t>Q_o</a:t>
+            </a:r>
+            <a:r>
+              <a:rPr lang="en-GB" dirty="0"/>
+              <a:t> = observed</a:t>
+            </a:r>
+          </a:p>
+          <a:p>
+            <a:r>
+              <a:rPr lang="en-GB" dirty="0" err="1"/>
+              <a:t>Q_o</a:t>
+            </a:r>
+            <a:r>
+              <a:rPr lang="en-GB" dirty="0"/>
+              <a:t>(bar) = climatology values</a:t>
+            </a:r>
+          </a:p>
+          <a:p>
+            <a:r>
+              <a:rPr lang="en-GB" dirty="0"/>
+              <a:t>May has nans because of DMB</a:t>
+            </a:r>
+          </a:p>
+          <a:p>
+            <a:pPr lvl="1"/>
+            <a:r>
+              <a:rPr lang="en-GB" dirty="0"/>
+              <a:t>need to work on it</a:t>
+            </a:r>
+          </a:p>
+          <a:p>
+            <a:r>
+              <a:rPr lang="en-GB" dirty="0"/>
+              <a:t>NSE &gt;0.7 good, NSE&gt;0.9 ideal</a:t>
+            </a:r>
+          </a:p>
+          <a:p>
+            <a:r>
+              <a:rPr lang="en-GB" dirty="0"/>
+              <a:t>NSE &lt; 0  better to stick with climatology</a:t>
+            </a:r>
+          </a:p>
+          <a:p>
+            <a:pPr marL="457200" lvl="1" indent="0">
+              <a:buNone/>
+            </a:pPr>
+            <a:r>
+              <a:rPr lang="en-GB" dirty="0"/>
+              <a:t> </a:t>
+            </a:r>
+            <a:endParaRPr lang="en-CA" dirty="0"/>
+          </a:p>
+        </p:txBody>
+      </p:sp>
+      <p:pic>
+        <p:nvPicPr>
+          <p:cNvPr id="5" name="Picture 4">
+            <a:extLst>
+              <a:ext uri="{FF2B5EF4-FFF2-40B4-BE49-F238E27FC236}">
+                <a16:creationId xmlns:a16="http://schemas.microsoft.com/office/drawing/2014/main" id="{C65C2BB9-14B9-4CC5-BDF6-FAB0E08085F7}"/>
+              </a:ext>
+            </a:extLst>
+          </p:cNvPr>
+          <p:cNvPicPr>
+            <a:picLocks noChangeAspect="1"/>
+          </p:cNvPicPr>
+          <p:nvPr/>
+        </p:nvPicPr>
+        <p:blipFill>
+          <a:blip r:embed="rId2"/>
+          <a:stretch>
+            <a:fillRect/>
+          </a:stretch>
+        </p:blipFill>
+        <p:spPr>
+          <a:xfrm>
+            <a:off x="8122836" y="2999100"/>
+            <a:ext cx="3787146" cy="3493775"/>
+          </a:xfrm>
+          <a:prstGeom prst="rect">
+            <a:avLst/>
+          </a:prstGeom>
+        </p:spPr>
+      </p:pic>
+      <p:sp>
+        <p:nvSpPr>
+          <p:cNvPr id="6" name="TextBox 5">
+            <a:extLst>
+              <a:ext uri="{FF2B5EF4-FFF2-40B4-BE49-F238E27FC236}">
+                <a16:creationId xmlns:a16="http://schemas.microsoft.com/office/drawing/2014/main" id="{B0E1D03D-46D5-4E5D-AF92-66CA73965A59}"/>
+              </a:ext>
+            </a:extLst>
+          </p:cNvPr>
+          <p:cNvSpPr txBox="1"/>
+          <p:nvPr/>
+        </p:nvSpPr>
+        <p:spPr>
+          <a:xfrm>
+            <a:off x="10426045" y="3035431"/>
+            <a:ext cx="1357460" cy="369332"/>
+          </a:xfrm>
+          <a:prstGeom prst="rect">
+            <a:avLst/>
+          </a:prstGeom>
+          <a:solidFill>
+            <a:schemeClr val="tx1"/>
+          </a:solidFill>
+        </p:spPr>
+        <p:txBody>
+          <a:bodyPr wrap="square" rtlCol="0">
+            <a:spAutoFit/>
+          </a:bodyPr>
+          <a:lstStyle/>
+          <a:p>
+            <a:r>
+              <a:rPr lang="en-GB" dirty="0">
+                <a:solidFill>
+                  <a:schemeClr val="bg1"/>
+                </a:solidFill>
+              </a:rPr>
+              <a:t>NSE</a:t>
+            </a:r>
+            <a:endParaRPr lang="en-CA" dirty="0">
+              <a:solidFill>
+                <a:schemeClr val="bg1"/>
+              </a:solidFill>
+            </a:endParaRPr>
+          </a:p>
+        </p:txBody>
+      </p:sp>
+      <p:pic>
+        <p:nvPicPr>
+          <p:cNvPr id="8" name="Picture 7">
+            <a:extLst>
+              <a:ext uri="{FF2B5EF4-FFF2-40B4-BE49-F238E27FC236}">
+                <a16:creationId xmlns:a16="http://schemas.microsoft.com/office/drawing/2014/main" id="{E57C0EF2-9228-4FFB-8E53-43EEC5AFAA34}"/>
+              </a:ext>
+            </a:extLst>
+          </p:cNvPr>
+          <p:cNvPicPr>
+            <a:picLocks noChangeAspect="1"/>
+          </p:cNvPicPr>
+          <p:nvPr/>
+        </p:nvPicPr>
+        <p:blipFill>
+          <a:blip r:embed="rId3"/>
+          <a:stretch>
+            <a:fillRect/>
+          </a:stretch>
+        </p:blipFill>
+        <p:spPr>
+          <a:xfrm>
+            <a:off x="2609671" y="1509713"/>
+            <a:ext cx="2324219" cy="781090"/>
+          </a:xfrm>
+          <a:prstGeom prst="rect">
+            <a:avLst/>
+          </a:prstGeom>
+        </p:spPr>
+      </p:pic>
+    </p:spTree>
+    <p:extLst>
+      <p:ext uri="{BB962C8B-B14F-4D97-AF65-F5344CB8AC3E}">
+        <p14:creationId xmlns:p14="http://schemas.microsoft.com/office/powerpoint/2010/main" val="1472902984"/>
+      </p:ext>
+    </p:extLst>
+  </p:cSld>
+  <p:clrMapOvr>
+    <a:masterClrMapping/>
+  </p:clrMapOvr>
+</p:sld>
+</file>
+
+<file path=ppt/slides/slide15.xml><?xml version="1.0" encoding="utf-8"?>
+<p:sld xmlns:a="http://schemas.openxmlformats.org/drawingml/2006/main" xmlns:r="http://schemas.openxmlformats.org/officeDocument/2006/relationships" xmlns:p="http://schemas.openxmlformats.org/presentationml/2006/main">
+  <p:cSld>
+    <p:spTree>
+      <p:nvGrpSpPr>
+        <p:cNvPr id="1" name=""/>
+        <p:cNvGrpSpPr/>
+        <p:nvPr/>
+      </p:nvGrpSpPr>
+      <p:grpSpPr>
+        <a:xfrm>
+          <a:off x="0" y="0"/>
+          <a:ext cx="0" cy="0"/>
+          <a:chOff x="0" y="0"/>
+          <a:chExt cx="0" cy="0"/>
+        </a:xfrm>
+      </p:grpSpPr>
+      <p:sp>
+        <p:nvSpPr>
+          <p:cNvPr id="2" name="Title 1">
+            <a:extLst>
+              <a:ext uri="{FF2B5EF4-FFF2-40B4-BE49-F238E27FC236}">
+                <a16:creationId xmlns:a16="http://schemas.microsoft.com/office/drawing/2014/main" id="{2623E76B-5C6C-4A08-BFF9-7EF7696B7112}"/>
+              </a:ext>
+            </a:extLst>
+          </p:cNvPr>
+          <p:cNvSpPr>
+            <a:spLocks noGrp="1"/>
+          </p:cNvSpPr>
+          <p:nvPr>
+            <p:ph type="title"/>
+          </p:nvPr>
+        </p:nvSpPr>
+        <p:spPr/>
+        <p:txBody>
+          <a:bodyPr/>
+          <a:lstStyle/>
+          <a:p>
+            <a:r>
+              <a:rPr lang="en-GB" dirty="0"/>
+              <a:t>NSE limitations</a:t>
+            </a:r>
+            <a:endParaRPr lang="en-CA" dirty="0"/>
+          </a:p>
+        </p:txBody>
+      </p:sp>
+      <p:sp>
+        <p:nvSpPr>
+          <p:cNvPr id="3" name="Content Placeholder 2">
+            <a:extLst>
+              <a:ext uri="{FF2B5EF4-FFF2-40B4-BE49-F238E27FC236}">
+                <a16:creationId xmlns:a16="http://schemas.microsoft.com/office/drawing/2014/main" id="{08A3450F-64CC-498B-869E-F3DF60097CDE}"/>
+              </a:ext>
+            </a:extLst>
+          </p:cNvPr>
+          <p:cNvSpPr>
+            <a:spLocks noGrp="1"/>
+          </p:cNvSpPr>
+          <p:nvPr>
+            <p:ph idx="1"/>
+          </p:nvPr>
+        </p:nvSpPr>
+        <p:spPr/>
+        <p:txBody>
+          <a:bodyPr/>
+          <a:lstStyle/>
+          <a:p>
+            <a:r>
+              <a:rPr lang="en-GB" dirty="0"/>
+              <a:t>affected by extreme outliers</a:t>
+            </a:r>
+          </a:p>
+          <a:p>
+            <a:r>
+              <a:rPr lang="en-GB" dirty="0"/>
+              <a:t>months 7-9 peak monsoon</a:t>
+            </a:r>
+          </a:p>
+          <a:p>
+            <a:pPr lvl="1"/>
+            <a:r>
+              <a:rPr lang="en-GB" dirty="0"/>
+              <a:t>high variability in the model outputs</a:t>
+            </a:r>
+          </a:p>
+          <a:p>
+            <a:pPr lvl="1"/>
+            <a:r>
+              <a:rPr lang="en-GB" dirty="0"/>
+              <a:t>show plot</a:t>
+            </a:r>
+          </a:p>
+          <a:p>
+            <a:r>
+              <a:rPr lang="en-GB" dirty="0"/>
+              <a:t>Next work:</a:t>
+            </a:r>
+          </a:p>
+          <a:p>
+            <a:pPr lvl="1"/>
+            <a:r>
+              <a:rPr lang="en-GB" dirty="0"/>
+              <a:t>explore getting rid of outliers for the NSE</a:t>
+            </a:r>
+          </a:p>
+          <a:p>
+            <a:pPr lvl="1"/>
+            <a:r>
+              <a:rPr lang="en-GB" dirty="0"/>
+              <a:t>try ensemble median </a:t>
+            </a:r>
+          </a:p>
+          <a:p>
+            <a:pPr lvl="1"/>
+            <a:endParaRPr lang="en-GB" dirty="0"/>
+          </a:p>
+          <a:p>
+            <a:pPr marL="457200" lvl="1" indent="0">
+              <a:buNone/>
+            </a:pPr>
+            <a:endParaRPr lang="en-GB" dirty="0"/>
+          </a:p>
+          <a:p>
+            <a:pPr lvl="1"/>
+            <a:endParaRPr lang="en-CA" dirty="0"/>
+          </a:p>
+        </p:txBody>
+      </p:sp>
+    </p:spTree>
+    <p:extLst>
+      <p:ext uri="{BB962C8B-B14F-4D97-AF65-F5344CB8AC3E}">
+        <p14:creationId xmlns:p14="http://schemas.microsoft.com/office/powerpoint/2010/main" val="427468395"/>
+      </p:ext>
+    </p:extLst>
+  </p:cSld>
+  <p:clrMapOvr>
+    <a:masterClrMapping/>
+  </p:clrMapOvr>
+</p:sld>
+</file>
+
+<file path=ppt/slides/slide16.xml><?xml version="1.0" encoding="utf-8"?>
+<p:sld xmlns:a="http://schemas.openxmlformats.org/drawingml/2006/main" xmlns:r="http://schemas.openxmlformats.org/officeDocument/2006/relationships" xmlns:p="http://schemas.openxmlformats.org/presentationml/2006/main">
+  <p:cSld>
+    <p:spTree>
+      <p:nvGrpSpPr>
+        <p:cNvPr id="1" name=""/>
+        <p:cNvGrpSpPr/>
+        <p:nvPr/>
+      </p:nvGrpSpPr>
+      <p:grpSpPr>
+        <a:xfrm>
+          <a:off x="0" y="0"/>
+          <a:ext cx="0" cy="0"/>
+          <a:chOff x="0" y="0"/>
+          <a:chExt cx="0" cy="0"/>
+        </a:xfrm>
+      </p:grpSpPr>
+      <p:sp>
+        <p:nvSpPr>
+          <p:cNvPr id="2" name="Title 1">
+            <a:extLst>
+              <a:ext uri="{FF2B5EF4-FFF2-40B4-BE49-F238E27FC236}">
+                <a16:creationId xmlns:a16="http://schemas.microsoft.com/office/drawing/2014/main" id="{0DB1B67D-548B-4A06-914D-87D3DA83C5B5}"/>
+              </a:ext>
+            </a:extLst>
+          </p:cNvPr>
+          <p:cNvSpPr>
+            <a:spLocks noGrp="1"/>
+          </p:cNvSpPr>
+          <p:nvPr>
+            <p:ph type="title"/>
+          </p:nvPr>
+        </p:nvSpPr>
+        <p:spPr/>
+        <p:txBody>
+          <a:bodyPr/>
+          <a:lstStyle/>
+          <a:p>
+            <a:r>
+              <a:rPr lang="en-GB" dirty="0"/>
+              <a:t>ATSC 313</a:t>
+            </a:r>
+            <a:endParaRPr lang="en-CA" dirty="0"/>
+          </a:p>
+        </p:txBody>
+      </p:sp>
+      <p:sp>
+        <p:nvSpPr>
+          <p:cNvPr id="3" name="Content Placeholder 2">
+            <a:extLst>
+              <a:ext uri="{FF2B5EF4-FFF2-40B4-BE49-F238E27FC236}">
+                <a16:creationId xmlns:a16="http://schemas.microsoft.com/office/drawing/2014/main" id="{65418506-CAE9-4892-A84C-6263E3622D71}"/>
+              </a:ext>
+            </a:extLst>
+          </p:cNvPr>
+          <p:cNvSpPr>
+            <a:spLocks noGrp="1"/>
+          </p:cNvSpPr>
+          <p:nvPr>
+            <p:ph idx="1"/>
+          </p:nvPr>
+        </p:nvSpPr>
+        <p:spPr/>
+        <p:txBody>
+          <a:bodyPr/>
+          <a:lstStyle/>
+          <a:p>
+            <a:r>
+              <a:rPr lang="en-GB" dirty="0"/>
+              <a:t>new exercise for one of the modules</a:t>
+            </a:r>
+          </a:p>
+          <a:p>
+            <a:pPr lvl="1"/>
+            <a:r>
+              <a:rPr lang="en-GB" dirty="0"/>
+              <a:t>provide student WRF solar output in csv</a:t>
+            </a:r>
+          </a:p>
+          <a:p>
+            <a:pPr lvl="1"/>
+            <a:r>
+              <a:rPr lang="en-GB" dirty="0"/>
+              <a:t>compare with observed conditions</a:t>
+            </a:r>
+          </a:p>
+          <a:p>
+            <a:pPr lvl="1"/>
+            <a:r>
+              <a:rPr lang="en-GB" dirty="0"/>
+              <a:t>what decision would they make?</a:t>
+            </a:r>
+          </a:p>
+          <a:p>
+            <a:pPr lvl="2"/>
+            <a:endParaRPr lang="en-GB" dirty="0"/>
+          </a:p>
+          <a:p>
+            <a:r>
+              <a:rPr lang="en-GB" dirty="0"/>
+              <a:t>Add a new LG topic</a:t>
+            </a:r>
+          </a:p>
+          <a:p>
+            <a:pPr lvl="1"/>
+            <a:r>
+              <a:rPr lang="en-GB" dirty="0"/>
+              <a:t>add specific components of </a:t>
+            </a:r>
+            <a:r>
+              <a:rPr lang="en-GB" dirty="0" err="1"/>
+              <a:t>wrf</a:t>
+            </a:r>
+            <a:r>
+              <a:rPr lang="en-GB" dirty="0"/>
+              <a:t> solar that make them unique to </a:t>
+            </a:r>
+            <a:r>
+              <a:rPr lang="en-GB" dirty="0" err="1"/>
+              <a:t>wrf</a:t>
+            </a:r>
+            <a:r>
+              <a:rPr lang="en-GB" dirty="0"/>
+              <a:t> discussed in hydro or wind</a:t>
+            </a:r>
+          </a:p>
+          <a:p>
+            <a:pPr lvl="2"/>
+            <a:endParaRPr lang="en-GB" dirty="0"/>
+          </a:p>
+          <a:p>
+            <a:pPr lvl="1"/>
+            <a:endParaRPr lang="en-CA" dirty="0"/>
+          </a:p>
+        </p:txBody>
+      </p:sp>
+    </p:spTree>
+    <p:extLst>
+      <p:ext uri="{BB962C8B-B14F-4D97-AF65-F5344CB8AC3E}">
+        <p14:creationId xmlns:p14="http://schemas.microsoft.com/office/powerpoint/2010/main" val="3818230605"/>
+      </p:ext>
+    </p:extLst>
+  </p:cSld>
+  <p:clrMapOvr>
+    <a:masterClrMapping/>
+  </p:clrMapOvr>
+</p:sld>
+</file>
+
+<file path=ppt/slides/slide17.xml><?xml version="1.0" encoding="utf-8"?>
+<p:sld xmlns:a="http://schemas.openxmlformats.org/drawingml/2006/main" xmlns:r="http://schemas.openxmlformats.org/officeDocument/2006/relationships" xmlns:p="http://schemas.openxmlformats.org/presentationml/2006/main">
+  <p:cSld>
+    <p:spTree>
+      <p:nvGrpSpPr>
+        <p:cNvPr id="1" name=""/>
+        <p:cNvGrpSpPr/>
+        <p:nvPr/>
+      </p:nvGrpSpPr>
+      <p:grpSpPr>
+        <a:xfrm>
+          <a:off x="0" y="0"/>
+          <a:ext cx="0" cy="0"/>
+          <a:chOff x="0" y="0"/>
+          <a:chExt cx="0" cy="0"/>
+        </a:xfrm>
+      </p:grpSpPr>
+      <p:sp>
+        <p:nvSpPr>
+          <p:cNvPr id="2" name="Title 1">
+            <a:extLst>
+              <a:ext uri="{FF2B5EF4-FFF2-40B4-BE49-F238E27FC236}">
+                <a16:creationId xmlns:a16="http://schemas.microsoft.com/office/drawing/2014/main" id="{8A1B556D-5EDA-432C-BEFC-26C086CCF7FA}"/>
+              </a:ext>
+            </a:extLst>
+          </p:cNvPr>
+          <p:cNvSpPr>
+            <a:spLocks noGrp="1"/>
+          </p:cNvSpPr>
+          <p:nvPr>
+            <p:ph type="title"/>
+          </p:nvPr>
+        </p:nvSpPr>
+        <p:spPr/>
+        <p:txBody>
+          <a:bodyPr/>
+          <a:lstStyle/>
+          <a:p>
+            <a:r>
+              <a:rPr lang="en-GB" dirty="0"/>
+              <a:t>Future work</a:t>
+            </a:r>
+            <a:endParaRPr lang="en-CA" dirty="0"/>
+          </a:p>
+        </p:txBody>
+      </p:sp>
+      <p:sp>
+        <p:nvSpPr>
+          <p:cNvPr id="3" name="Content Placeholder 2">
+            <a:extLst>
+              <a:ext uri="{FF2B5EF4-FFF2-40B4-BE49-F238E27FC236}">
+                <a16:creationId xmlns:a16="http://schemas.microsoft.com/office/drawing/2014/main" id="{0CCF6B9B-8846-4E50-B05D-A4F59805F220}"/>
+              </a:ext>
+            </a:extLst>
+          </p:cNvPr>
+          <p:cNvSpPr>
+            <a:spLocks noGrp="1"/>
+          </p:cNvSpPr>
+          <p:nvPr>
+            <p:ph idx="1"/>
+          </p:nvPr>
+        </p:nvSpPr>
+        <p:spPr/>
+        <p:txBody>
+          <a:bodyPr/>
+          <a:lstStyle/>
+          <a:p>
+            <a:r>
+              <a:rPr lang="en-GB" dirty="0"/>
+              <a:t>Meet Werner</a:t>
+            </a:r>
+          </a:p>
+          <a:p>
+            <a:r>
+              <a:rPr lang="en-GB" dirty="0"/>
+              <a:t>incorporate ensemble mean</a:t>
+            </a:r>
+          </a:p>
+          <a:p>
+            <a:pPr lvl="1"/>
+            <a:r>
+              <a:rPr lang="en-GB" dirty="0"/>
+              <a:t>in the plot</a:t>
+            </a:r>
+          </a:p>
+          <a:p>
+            <a:pPr lvl="1"/>
+            <a:r>
+              <a:rPr lang="en-GB" dirty="0"/>
+              <a:t>for the NSE analysis</a:t>
+            </a:r>
+          </a:p>
+          <a:p>
+            <a:r>
+              <a:rPr lang="en-GB" dirty="0"/>
+              <a:t>implement </a:t>
+            </a:r>
+            <a:r>
+              <a:rPr lang="en-GB" dirty="0" err="1"/>
+              <a:t>frcst</a:t>
+            </a:r>
+            <a:r>
+              <a:rPr lang="en-GB" dirty="0"/>
+              <a:t> vs </a:t>
+            </a:r>
+            <a:r>
+              <a:rPr lang="en-GB" dirty="0" err="1"/>
+              <a:t>obs</a:t>
+            </a:r>
+            <a:r>
+              <a:rPr lang="en-GB" dirty="0"/>
+              <a:t> plot </a:t>
+            </a:r>
+            <a:endParaRPr lang="en-CA" dirty="0"/>
+          </a:p>
+        </p:txBody>
+      </p:sp>
+    </p:spTree>
+    <p:extLst>
+      <p:ext uri="{BB962C8B-B14F-4D97-AF65-F5344CB8AC3E}">
+        <p14:creationId xmlns:p14="http://schemas.microsoft.com/office/powerpoint/2010/main" val="465314905"/>
+      </p:ext>
+    </p:extLst>
+  </p:cSld>
+  <p:clrMapOvr>
+    <a:masterClrMapping/>
+  </p:clrMapOvr>
+</p:sld>
+</file>
+
 <file path=ppt/slides/slide2.xml><?xml version="1.0" encoding="utf-8"?>
 <p:sld xmlns:a="http://schemas.openxmlformats.org/drawingml/2006/main" xmlns:r="http://schemas.openxmlformats.org/officeDocument/2006/relationships" xmlns:p="http://schemas.openxmlformats.org/presentationml/2006/main">
   <p:cSld>
@@ -3861,31 +5185,466 @@
           <a:bodyPr/>
           <a:lstStyle/>
           <a:p>
+            <a:r>
+              <a:rPr lang="en-GB" dirty="0"/>
+              <a:t>21 September 2021</a:t>
+            </a:r>
+            <a:endParaRPr lang="en-CA" dirty="0"/>
+          </a:p>
+        </p:txBody>
+      </p:sp>
+      <p:sp>
+        <p:nvSpPr>
+          <p:cNvPr id="3" name="Content Placeholder 2">
+            <a:extLst>
+              <a:ext uri="{FF2B5EF4-FFF2-40B4-BE49-F238E27FC236}">
+                <a16:creationId xmlns:a16="http://schemas.microsoft.com/office/drawing/2014/main" id="{CAA29AB8-ECF4-48A4-9B06-B1C5F85729B3}"/>
+              </a:ext>
+            </a:extLst>
+          </p:cNvPr>
+          <p:cNvSpPr>
+            <a:spLocks noGrp="1"/>
+          </p:cNvSpPr>
+          <p:nvPr>
+            <p:ph idx="1"/>
+          </p:nvPr>
+        </p:nvSpPr>
+        <p:spPr/>
+        <p:txBody>
+          <a:bodyPr/>
+          <a:lstStyle/>
+          <a:p>
+            <a:r>
+              <a:rPr lang="en-GB" dirty="0"/>
+              <a:t>Fixed errors in previous bias correction approach</a:t>
+            </a:r>
+          </a:p>
+          <a:p>
+            <a:endParaRPr lang="en-GB" dirty="0"/>
+          </a:p>
+          <a:p>
+            <a:endParaRPr lang="en-GB" dirty="0"/>
+          </a:p>
+          <a:p>
+            <a:endParaRPr lang="en-GB" dirty="0"/>
+          </a:p>
+          <a:p>
+            <a:r>
+              <a:rPr lang="en-GB" dirty="0"/>
+              <a:t>Added linearly weighted bias correction </a:t>
+            </a:r>
+          </a:p>
+          <a:p>
+            <a:r>
+              <a:rPr lang="en-GB" dirty="0"/>
+              <a:t>Currently using reanalysis as observation. </a:t>
+            </a:r>
+          </a:p>
+          <a:p>
+            <a:r>
+              <a:rPr lang="en-GB" dirty="0"/>
+              <a:t>Made preliminary plots</a:t>
+            </a:r>
+          </a:p>
+          <a:p>
+            <a:pPr lvl="1"/>
+            <a:r>
+              <a:rPr lang="en-GB" dirty="0"/>
+              <a:t>hit and miss </a:t>
+            </a:r>
+          </a:p>
+          <a:p>
+            <a:pPr lvl="1"/>
+            <a:r>
+              <a:rPr lang="en-GB" dirty="0"/>
+              <a:t>need to explore for more date ranges</a:t>
+            </a:r>
+          </a:p>
+          <a:p>
+            <a:endParaRPr lang="en-CA" dirty="0"/>
+          </a:p>
+        </p:txBody>
+      </p:sp>
+      <p:cxnSp>
+        <p:nvCxnSpPr>
+          <p:cNvPr id="5" name="Straight Arrow Connector 4">
+            <a:extLst>
+              <a:ext uri="{FF2B5EF4-FFF2-40B4-BE49-F238E27FC236}">
+                <a16:creationId xmlns:a16="http://schemas.microsoft.com/office/drawing/2014/main" id="{39B54156-C870-45F9-85C9-D9ECF3CA0565}"/>
+              </a:ext>
+            </a:extLst>
+          </p:cNvPr>
+          <p:cNvCxnSpPr/>
+          <p:nvPr/>
+        </p:nvCxnSpPr>
+        <p:spPr>
+          <a:xfrm>
+            <a:off x="1291472" y="3035431"/>
+            <a:ext cx="7428322" cy="0"/>
+          </a:xfrm>
+          <a:prstGeom prst="straightConnector1">
+            <a:avLst/>
+          </a:prstGeom>
+          <a:ln w="9525" cap="flat" cmpd="sng" algn="ctr">
+            <a:solidFill>
+              <a:schemeClr val="dk1"/>
+            </a:solidFill>
+            <a:prstDash val="dash"/>
+            <a:round/>
+            <a:headEnd type="none" w="med" len="med"/>
+            <a:tailEnd type="none" w="med" len="med"/>
+          </a:ln>
+        </p:spPr>
+        <p:style>
+          <a:lnRef idx="0">
+            <a:scrgbClr r="0" g="0" b="0"/>
+          </a:lnRef>
+          <a:fillRef idx="0">
+            <a:scrgbClr r="0" g="0" b="0"/>
+          </a:fillRef>
+          <a:effectRef idx="0">
+            <a:scrgbClr r="0" g="0" b="0"/>
+          </a:effectRef>
+          <a:fontRef idx="minor">
+            <a:schemeClr val="tx1"/>
+          </a:fontRef>
+        </p:style>
+      </p:cxnSp>
+      <p:cxnSp>
+        <p:nvCxnSpPr>
+          <p:cNvPr id="7" name="Straight Connector 6">
+            <a:extLst>
+              <a:ext uri="{FF2B5EF4-FFF2-40B4-BE49-F238E27FC236}">
+                <a16:creationId xmlns:a16="http://schemas.microsoft.com/office/drawing/2014/main" id="{61064296-E7B8-4CD6-9C5D-6512B21C1FF4}"/>
+              </a:ext>
+            </a:extLst>
+          </p:cNvPr>
+          <p:cNvCxnSpPr>
+            <a:cxnSpLocks/>
+          </p:cNvCxnSpPr>
+          <p:nvPr/>
+        </p:nvCxnSpPr>
+        <p:spPr>
+          <a:xfrm flipH="1">
+            <a:off x="3761295" y="3035431"/>
+            <a:ext cx="2815472" cy="0"/>
+          </a:xfrm>
+          <a:prstGeom prst="line">
+            <a:avLst/>
+          </a:prstGeom>
+          <a:ln w="76200"/>
+        </p:spPr>
+        <p:style>
+          <a:lnRef idx="3">
+            <a:schemeClr val="accent2"/>
+          </a:lnRef>
+          <a:fillRef idx="0">
+            <a:schemeClr val="accent2"/>
+          </a:fillRef>
+          <a:effectRef idx="2">
+            <a:schemeClr val="accent2"/>
+          </a:effectRef>
+          <a:fontRef idx="minor">
+            <a:schemeClr val="tx1"/>
+          </a:fontRef>
+        </p:style>
+      </p:cxnSp>
+      <p:cxnSp>
+        <p:nvCxnSpPr>
+          <p:cNvPr id="10" name="Straight Connector 9">
+            <a:extLst>
+              <a:ext uri="{FF2B5EF4-FFF2-40B4-BE49-F238E27FC236}">
+                <a16:creationId xmlns:a16="http://schemas.microsoft.com/office/drawing/2014/main" id="{53C24DC9-25F5-4796-B5A5-0646535794C2}"/>
+              </a:ext>
+            </a:extLst>
+          </p:cNvPr>
+          <p:cNvCxnSpPr/>
+          <p:nvPr/>
+        </p:nvCxnSpPr>
+        <p:spPr>
+          <a:xfrm>
+            <a:off x="1291472" y="3035431"/>
+            <a:ext cx="2432116" cy="0"/>
+          </a:xfrm>
+          <a:prstGeom prst="line">
+            <a:avLst/>
+          </a:prstGeom>
+        </p:spPr>
+        <p:style>
+          <a:lnRef idx="3">
+            <a:schemeClr val="accent1"/>
+          </a:lnRef>
+          <a:fillRef idx="0">
+            <a:schemeClr val="accent1"/>
+          </a:fillRef>
+          <a:effectRef idx="2">
+            <a:schemeClr val="accent1"/>
+          </a:effectRef>
+          <a:fontRef idx="minor">
+            <a:schemeClr val="tx1"/>
+          </a:fontRef>
+        </p:style>
+      </p:cxnSp>
+      <p:sp>
+        <p:nvSpPr>
+          <p:cNvPr id="11" name="Right Brace 10">
+            <a:extLst>
+              <a:ext uri="{FF2B5EF4-FFF2-40B4-BE49-F238E27FC236}">
+                <a16:creationId xmlns:a16="http://schemas.microsoft.com/office/drawing/2014/main" id="{A4D77319-EA49-4BAA-A4B5-0EB36C63E6AE}"/>
+              </a:ext>
+            </a:extLst>
+          </p:cNvPr>
+          <p:cNvSpPr/>
+          <p:nvPr/>
+        </p:nvSpPr>
+        <p:spPr>
+          <a:xfrm rot="5400000">
+            <a:off x="4993149" y="2064375"/>
+            <a:ext cx="367865" cy="2617117"/>
+          </a:xfrm>
+          <a:prstGeom prst="rightBrace">
+            <a:avLst/>
+          </a:prstGeom>
+        </p:spPr>
+        <p:style>
+          <a:lnRef idx="1">
+            <a:schemeClr val="accent1"/>
+          </a:lnRef>
+          <a:fillRef idx="0">
+            <a:schemeClr val="accent1"/>
+          </a:fillRef>
+          <a:effectRef idx="0">
+            <a:schemeClr val="accent1"/>
+          </a:effectRef>
+          <a:fontRef idx="minor">
+            <a:schemeClr val="tx1"/>
+          </a:fontRef>
+        </p:style>
+        <p:txBody>
+          <a:bodyPr rtlCol="0" anchor="ctr"/>
+          <a:lstStyle/>
+          <a:p>
+            <a:pPr algn="ctr"/>
             <a:endParaRPr lang="en-CA"/>
           </a:p>
         </p:txBody>
       </p:sp>
       <p:sp>
         <p:nvSpPr>
-          <p:cNvPr id="3" name="Content Placeholder 2">
-            <a:extLst>
-              <a:ext uri="{FF2B5EF4-FFF2-40B4-BE49-F238E27FC236}">
-                <a16:creationId xmlns:a16="http://schemas.microsoft.com/office/drawing/2014/main" id="{CAA29AB8-ECF4-48A4-9B06-B1C5F85729B3}"/>
-              </a:ext>
-            </a:extLst>
-          </p:cNvPr>
-          <p:cNvSpPr>
-            <a:spLocks noGrp="1"/>
-          </p:cNvSpPr>
-          <p:nvPr>
-            <p:ph idx="1"/>
-          </p:nvPr>
-        </p:nvSpPr>
-        <p:spPr/>
-        <p:txBody>
-          <a:bodyPr/>
-          <a:lstStyle/>
-          <a:p>
+          <p:cNvPr id="12" name="TextBox 11">
+            <a:extLst>
+              <a:ext uri="{FF2B5EF4-FFF2-40B4-BE49-F238E27FC236}">
+                <a16:creationId xmlns:a16="http://schemas.microsoft.com/office/drawing/2014/main" id="{871F5CB3-79AF-4355-89B9-9EABF79EBE2A}"/>
+              </a:ext>
+            </a:extLst>
+          </p:cNvPr>
+          <p:cNvSpPr txBox="1"/>
+          <p:nvPr/>
+        </p:nvSpPr>
+        <p:spPr>
+          <a:xfrm>
+            <a:off x="3761295" y="3554698"/>
+            <a:ext cx="2956874" cy="369332"/>
+          </a:xfrm>
+          <a:prstGeom prst="rect">
+            <a:avLst/>
+          </a:prstGeom>
+          <a:noFill/>
+        </p:spPr>
+        <p:txBody>
+          <a:bodyPr wrap="square" rtlCol="0">
+            <a:spAutoFit/>
+          </a:bodyPr>
+          <a:lstStyle/>
+          <a:p>
+            <a:r>
+              <a:rPr lang="en-GB" dirty="0"/>
+              <a:t>bias correction window</a:t>
+            </a:r>
+            <a:endParaRPr lang="en-CA" dirty="0"/>
+          </a:p>
+        </p:txBody>
+      </p:sp>
+      <p:sp>
+        <p:nvSpPr>
+          <p:cNvPr id="13" name="Right Brace 12">
+            <a:extLst>
+              <a:ext uri="{FF2B5EF4-FFF2-40B4-BE49-F238E27FC236}">
+                <a16:creationId xmlns:a16="http://schemas.microsoft.com/office/drawing/2014/main" id="{689CF9DB-127F-4759-8168-F990307F4534}"/>
+              </a:ext>
+            </a:extLst>
+          </p:cNvPr>
+          <p:cNvSpPr/>
+          <p:nvPr/>
+        </p:nvSpPr>
+        <p:spPr>
+          <a:xfrm rot="16200000">
+            <a:off x="3796418" y="78013"/>
+            <a:ext cx="275403" cy="5285294"/>
+          </a:xfrm>
+          <a:prstGeom prst="rightBrace">
+            <a:avLst/>
+          </a:prstGeom>
+        </p:spPr>
+        <p:style>
+          <a:lnRef idx="1">
+            <a:schemeClr val="accent1"/>
+          </a:lnRef>
+          <a:fillRef idx="0">
+            <a:schemeClr val="accent1"/>
+          </a:fillRef>
+          <a:effectRef idx="0">
+            <a:schemeClr val="accent1"/>
+          </a:effectRef>
+          <a:fontRef idx="minor">
+            <a:schemeClr val="tx1"/>
+          </a:fontRef>
+        </p:style>
+        <p:txBody>
+          <a:bodyPr rtlCol="0" anchor="ctr"/>
+          <a:lstStyle/>
+          <a:p>
+            <a:pPr algn="ctr"/>
+            <a:endParaRPr lang="en-CA"/>
+          </a:p>
+        </p:txBody>
+      </p:sp>
+      <p:sp>
+        <p:nvSpPr>
+          <p:cNvPr id="14" name="TextBox 13">
+            <a:extLst>
+              <a:ext uri="{FF2B5EF4-FFF2-40B4-BE49-F238E27FC236}">
+                <a16:creationId xmlns:a16="http://schemas.microsoft.com/office/drawing/2014/main" id="{DED94205-E314-4424-BF87-7287EB7D2F83}"/>
+              </a:ext>
+            </a:extLst>
+          </p:cNvPr>
+          <p:cNvSpPr txBox="1"/>
+          <p:nvPr/>
+        </p:nvSpPr>
+        <p:spPr>
+          <a:xfrm>
+            <a:off x="2044831" y="2330824"/>
+            <a:ext cx="3778576" cy="369332"/>
+          </a:xfrm>
+          <a:prstGeom prst="rect">
+            <a:avLst/>
+          </a:prstGeom>
+          <a:noFill/>
+        </p:spPr>
+        <p:txBody>
+          <a:bodyPr wrap="square" rtlCol="0">
+            <a:spAutoFit/>
+          </a:bodyPr>
+          <a:lstStyle/>
+          <a:p>
+            <a:r>
+              <a:rPr lang="en-GB" dirty="0"/>
+              <a:t>days with available </a:t>
+            </a:r>
+            <a:r>
+              <a:rPr lang="en-GB" dirty="0" err="1"/>
+              <a:t>fcst</a:t>
+            </a:r>
+            <a:r>
+              <a:rPr lang="en-GB" dirty="0"/>
+              <a:t> </a:t>
+            </a:r>
+            <a:r>
+              <a:rPr lang="en-GB" dirty="0" err="1"/>
+              <a:t>obs</a:t>
+            </a:r>
+            <a:r>
+              <a:rPr lang="en-GB" dirty="0"/>
+              <a:t> data pairs</a:t>
+            </a:r>
+            <a:endParaRPr lang="en-CA" dirty="0"/>
+          </a:p>
+        </p:txBody>
+      </p:sp>
+      <p:sp>
+        <p:nvSpPr>
+          <p:cNvPr id="15" name="Right Brace 14">
+            <a:extLst>
+              <a:ext uri="{FF2B5EF4-FFF2-40B4-BE49-F238E27FC236}">
+                <a16:creationId xmlns:a16="http://schemas.microsoft.com/office/drawing/2014/main" id="{82ADE563-F2D0-475E-9860-4A91525EEE7D}"/>
+              </a:ext>
+            </a:extLst>
+          </p:cNvPr>
+          <p:cNvSpPr/>
+          <p:nvPr/>
+        </p:nvSpPr>
+        <p:spPr>
+          <a:xfrm rot="5400000">
+            <a:off x="7480163" y="2281678"/>
+            <a:ext cx="402220" cy="2077041"/>
+          </a:xfrm>
+          <a:prstGeom prst="rightBrace">
+            <a:avLst/>
+          </a:prstGeom>
+        </p:spPr>
+        <p:style>
+          <a:lnRef idx="1">
+            <a:schemeClr val="accent1"/>
+          </a:lnRef>
+          <a:fillRef idx="0">
+            <a:schemeClr val="accent1"/>
+          </a:fillRef>
+          <a:effectRef idx="0">
+            <a:schemeClr val="accent1"/>
+          </a:effectRef>
+          <a:fontRef idx="minor">
+            <a:schemeClr val="tx1"/>
+          </a:fontRef>
+        </p:style>
+        <p:txBody>
+          <a:bodyPr rtlCol="0" anchor="ctr"/>
+          <a:lstStyle/>
+          <a:p>
+            <a:pPr algn="ctr"/>
+            <a:endParaRPr lang="en-CA"/>
+          </a:p>
+        </p:txBody>
+      </p:sp>
+      <p:sp>
+        <p:nvSpPr>
+          <p:cNvPr id="16" name="TextBox 15">
+            <a:extLst>
+              <a:ext uri="{FF2B5EF4-FFF2-40B4-BE49-F238E27FC236}">
+                <a16:creationId xmlns:a16="http://schemas.microsoft.com/office/drawing/2014/main" id="{83471D74-616B-432B-A394-C8D7C64AADD9}"/>
+              </a:ext>
+            </a:extLst>
+          </p:cNvPr>
+          <p:cNvSpPr txBox="1"/>
+          <p:nvPr/>
+        </p:nvSpPr>
+        <p:spPr>
+          <a:xfrm>
+            <a:off x="7006474" y="3277699"/>
+            <a:ext cx="3030323" cy="646331"/>
+          </a:xfrm>
+          <a:prstGeom prst="rect">
+            <a:avLst/>
+          </a:prstGeom>
+          <a:noFill/>
+        </p:spPr>
+        <p:txBody>
+          <a:bodyPr wrap="square" rtlCol="0">
+            <a:spAutoFit/>
+          </a:bodyPr>
+          <a:lstStyle/>
+          <a:p>
+            <a:r>
+              <a:rPr lang="en-GB" dirty="0"/>
+              <a:t>future 10 days </a:t>
+            </a:r>
+            <a:r>
+              <a:rPr lang="en-GB" dirty="0" err="1"/>
+              <a:t>fcst</a:t>
+            </a:r>
+            <a:r>
+              <a:rPr lang="en-GB" dirty="0"/>
+              <a:t> where bias correction is applied. </a:t>
+            </a:r>
             <a:endParaRPr lang="en-CA" dirty="0"/>
           </a:p>
         </p:txBody>
@@ -3894,6 +5653,462 @@
     <p:extLst>
       <p:ext uri="{BB962C8B-B14F-4D97-AF65-F5344CB8AC3E}">
         <p14:creationId xmlns:p14="http://schemas.microsoft.com/office/powerpoint/2010/main" val="146301585"/>
+      </p:ext>
+    </p:extLst>
+  </p:cSld>
+  <p:clrMapOvr>
+    <a:masterClrMapping/>
+  </p:clrMapOvr>
+</p:sld>
+</file>
+
+<file path=ppt/slides/slide6.xml><?xml version="1.0" encoding="utf-8"?>
+<p:sld xmlns:a="http://schemas.openxmlformats.org/drawingml/2006/main" xmlns:r="http://schemas.openxmlformats.org/officeDocument/2006/relationships" xmlns:p="http://schemas.openxmlformats.org/presentationml/2006/main">
+  <p:cSld>
+    <p:spTree>
+      <p:nvGrpSpPr>
+        <p:cNvPr id="1" name=""/>
+        <p:cNvGrpSpPr/>
+        <p:nvPr/>
+      </p:nvGrpSpPr>
+      <p:grpSpPr>
+        <a:xfrm>
+          <a:off x="0" y="0"/>
+          <a:ext cx="0" cy="0"/>
+          <a:chOff x="0" y="0"/>
+          <a:chExt cx="0" cy="0"/>
+        </a:xfrm>
+      </p:grpSpPr>
+      <p:sp>
+        <p:nvSpPr>
+          <p:cNvPr id="2" name="Title 1">
+            <a:extLst>
+              <a:ext uri="{FF2B5EF4-FFF2-40B4-BE49-F238E27FC236}">
+                <a16:creationId xmlns:a16="http://schemas.microsoft.com/office/drawing/2014/main" id="{F6095E5C-652C-469F-8F20-E3459EF04C8C}"/>
+              </a:ext>
+            </a:extLst>
+          </p:cNvPr>
+          <p:cNvSpPr>
+            <a:spLocks noGrp="1"/>
+          </p:cNvSpPr>
+          <p:nvPr>
+            <p:ph type="title"/>
+          </p:nvPr>
+        </p:nvSpPr>
+        <p:spPr/>
+        <p:txBody>
+          <a:bodyPr/>
+          <a:lstStyle/>
+          <a:p>
+            <a:endParaRPr lang="en-CA"/>
+          </a:p>
+        </p:txBody>
+      </p:sp>
+      <p:pic>
+        <p:nvPicPr>
+          <p:cNvPr id="5" name="Content Placeholder 4">
+            <a:extLst>
+              <a:ext uri="{FF2B5EF4-FFF2-40B4-BE49-F238E27FC236}">
+                <a16:creationId xmlns:a16="http://schemas.microsoft.com/office/drawing/2014/main" id="{005275B9-9FD7-4022-8C11-FA9C4D147570}"/>
+              </a:ext>
+            </a:extLst>
+          </p:cNvPr>
+          <p:cNvPicPr>
+            <a:picLocks noGrp="1" noChangeAspect="1"/>
+          </p:cNvPicPr>
+          <p:nvPr>
+            <p:ph idx="1"/>
+          </p:nvPr>
+        </p:nvPicPr>
+        <p:blipFill>
+          <a:blip r:embed="rId2"/>
+          <a:stretch>
+            <a:fillRect/>
+          </a:stretch>
+        </p:blipFill>
+        <p:spPr>
+          <a:xfrm>
+            <a:off x="0" y="214623"/>
+            <a:ext cx="11815794" cy="6044775"/>
+          </a:xfrm>
+        </p:spPr>
+      </p:pic>
+      <p:sp>
+        <p:nvSpPr>
+          <p:cNvPr id="6" name="TextBox 5">
+            <a:extLst>
+              <a:ext uri="{FF2B5EF4-FFF2-40B4-BE49-F238E27FC236}">
+                <a16:creationId xmlns:a16="http://schemas.microsoft.com/office/drawing/2014/main" id="{CE47F64E-29B5-4960-AEA7-4E4DCAE0408F}"/>
+              </a:ext>
+            </a:extLst>
+          </p:cNvPr>
+          <p:cNvSpPr txBox="1"/>
+          <p:nvPr/>
+        </p:nvSpPr>
+        <p:spPr>
+          <a:xfrm>
+            <a:off x="2903456" y="6259398"/>
+            <a:ext cx="5467546" cy="369332"/>
+          </a:xfrm>
+          <a:prstGeom prst="rect">
+            <a:avLst/>
+          </a:prstGeom>
+          <a:noFill/>
+        </p:spPr>
+        <p:txBody>
+          <a:bodyPr wrap="square" rtlCol="0">
+            <a:spAutoFit/>
+          </a:bodyPr>
+          <a:lstStyle/>
+          <a:p>
+            <a:r>
+              <a:rPr lang="en-GB" dirty="0"/>
+              <a:t>August 2014</a:t>
+            </a:r>
+            <a:endParaRPr lang="en-CA" dirty="0"/>
+          </a:p>
+        </p:txBody>
+      </p:sp>
+    </p:spTree>
+    <p:extLst>
+      <p:ext uri="{BB962C8B-B14F-4D97-AF65-F5344CB8AC3E}">
+        <p14:creationId xmlns:p14="http://schemas.microsoft.com/office/powerpoint/2010/main" val="1052122741"/>
+      </p:ext>
+    </p:extLst>
+  </p:cSld>
+  <p:clrMapOvr>
+    <a:masterClrMapping/>
+  </p:clrMapOvr>
+</p:sld>
+</file>
+
+<file path=ppt/slides/slide7.xml><?xml version="1.0" encoding="utf-8"?>
+<p:sld xmlns:a="http://schemas.openxmlformats.org/drawingml/2006/main" xmlns:r="http://schemas.openxmlformats.org/officeDocument/2006/relationships" xmlns:p="http://schemas.openxmlformats.org/presentationml/2006/main">
+  <p:cSld>
+    <p:spTree>
+      <p:nvGrpSpPr>
+        <p:cNvPr id="1" name=""/>
+        <p:cNvGrpSpPr/>
+        <p:nvPr/>
+      </p:nvGrpSpPr>
+      <p:grpSpPr>
+        <a:xfrm>
+          <a:off x="0" y="0"/>
+          <a:ext cx="0" cy="0"/>
+          <a:chOff x="0" y="0"/>
+          <a:chExt cx="0" cy="0"/>
+        </a:xfrm>
+      </p:grpSpPr>
+      <p:sp>
+        <p:nvSpPr>
+          <p:cNvPr id="2" name="Title 1">
+            <a:extLst>
+              <a:ext uri="{FF2B5EF4-FFF2-40B4-BE49-F238E27FC236}">
+                <a16:creationId xmlns:a16="http://schemas.microsoft.com/office/drawing/2014/main" id="{BF1BD581-710E-4AF0-9A10-5BFD843C93D9}"/>
+              </a:ext>
+            </a:extLst>
+          </p:cNvPr>
+          <p:cNvSpPr>
+            <a:spLocks noGrp="1"/>
+          </p:cNvSpPr>
+          <p:nvPr>
+            <p:ph type="title"/>
+          </p:nvPr>
+        </p:nvSpPr>
+        <p:spPr/>
+        <p:txBody>
+          <a:bodyPr/>
+          <a:lstStyle/>
+          <a:p>
+            <a:endParaRPr lang="en-CA"/>
+          </a:p>
+        </p:txBody>
+      </p:sp>
+      <p:sp>
+        <p:nvSpPr>
+          <p:cNvPr id="3" name="Content Placeholder 2">
+            <a:extLst>
+              <a:ext uri="{FF2B5EF4-FFF2-40B4-BE49-F238E27FC236}">
+                <a16:creationId xmlns:a16="http://schemas.microsoft.com/office/drawing/2014/main" id="{87936148-BA42-43FE-8EAB-5CA88F3CA735}"/>
+              </a:ext>
+            </a:extLst>
+          </p:cNvPr>
+          <p:cNvSpPr>
+            <a:spLocks noGrp="1"/>
+          </p:cNvSpPr>
+          <p:nvPr>
+            <p:ph idx="1"/>
+          </p:nvPr>
+        </p:nvSpPr>
+        <p:spPr/>
+        <p:txBody>
+          <a:bodyPr/>
+          <a:lstStyle/>
+          <a:p>
+            <a:endParaRPr lang="en-CA"/>
+          </a:p>
+        </p:txBody>
+      </p:sp>
+      <p:pic>
+        <p:nvPicPr>
+          <p:cNvPr id="5" name="Picture 4">
+            <a:extLst>
+              <a:ext uri="{FF2B5EF4-FFF2-40B4-BE49-F238E27FC236}">
+                <a16:creationId xmlns:a16="http://schemas.microsoft.com/office/drawing/2014/main" id="{50AE5B03-D480-418C-8D08-23D98BC22737}"/>
+              </a:ext>
+            </a:extLst>
+          </p:cNvPr>
+          <p:cNvPicPr>
+            <a:picLocks noChangeAspect="1"/>
+          </p:cNvPicPr>
+          <p:nvPr/>
+        </p:nvPicPr>
+        <p:blipFill>
+          <a:blip r:embed="rId2"/>
+          <a:stretch>
+            <a:fillRect/>
+          </a:stretch>
+        </p:blipFill>
+        <p:spPr>
+          <a:xfrm>
+            <a:off x="0" y="-1"/>
+            <a:ext cx="12148788" cy="6176963"/>
+          </a:xfrm>
+          <a:prstGeom prst="rect">
+            <a:avLst/>
+          </a:prstGeom>
+        </p:spPr>
+      </p:pic>
+      <p:sp>
+        <p:nvSpPr>
+          <p:cNvPr id="6" name="TextBox 5">
+            <a:extLst>
+              <a:ext uri="{FF2B5EF4-FFF2-40B4-BE49-F238E27FC236}">
+                <a16:creationId xmlns:a16="http://schemas.microsoft.com/office/drawing/2014/main" id="{A5ECBBA5-5384-4688-987D-2F05A7D6D609}"/>
+              </a:ext>
+            </a:extLst>
+          </p:cNvPr>
+          <p:cNvSpPr txBox="1"/>
+          <p:nvPr/>
+        </p:nvSpPr>
+        <p:spPr>
+          <a:xfrm>
+            <a:off x="2903456" y="6259398"/>
+            <a:ext cx="5467546" cy="369332"/>
+          </a:xfrm>
+          <a:prstGeom prst="rect">
+            <a:avLst/>
+          </a:prstGeom>
+          <a:noFill/>
+        </p:spPr>
+        <p:txBody>
+          <a:bodyPr wrap="square" rtlCol="0">
+            <a:spAutoFit/>
+          </a:bodyPr>
+          <a:lstStyle/>
+          <a:p>
+            <a:r>
+              <a:rPr lang="en-GB" dirty="0"/>
+              <a:t>June 2014</a:t>
+            </a:r>
+            <a:endParaRPr lang="en-CA" dirty="0"/>
+          </a:p>
+        </p:txBody>
+      </p:sp>
+    </p:spTree>
+    <p:extLst>
+      <p:ext uri="{BB962C8B-B14F-4D97-AF65-F5344CB8AC3E}">
+        <p14:creationId xmlns:p14="http://schemas.microsoft.com/office/powerpoint/2010/main" val="1493584002"/>
+      </p:ext>
+    </p:extLst>
+  </p:cSld>
+  <p:clrMapOvr>
+    <a:masterClrMapping/>
+  </p:clrMapOvr>
+</p:sld>
+</file>
+
+<file path=ppt/slides/slide8.xml><?xml version="1.0" encoding="utf-8"?>
+<p:sld xmlns:a="http://schemas.openxmlformats.org/drawingml/2006/main" xmlns:r="http://schemas.openxmlformats.org/officeDocument/2006/relationships" xmlns:p="http://schemas.openxmlformats.org/presentationml/2006/main">
+  <p:cSld>
+    <p:spTree>
+      <p:nvGrpSpPr>
+        <p:cNvPr id="1" name=""/>
+        <p:cNvGrpSpPr/>
+        <p:nvPr/>
+      </p:nvGrpSpPr>
+      <p:grpSpPr>
+        <a:xfrm>
+          <a:off x="0" y="0"/>
+          <a:ext cx="0" cy="0"/>
+          <a:chOff x="0" y="0"/>
+          <a:chExt cx="0" cy="0"/>
+        </a:xfrm>
+      </p:grpSpPr>
+      <p:sp>
+        <p:nvSpPr>
+          <p:cNvPr id="2" name="Title 1">
+            <a:extLst>
+              <a:ext uri="{FF2B5EF4-FFF2-40B4-BE49-F238E27FC236}">
+                <a16:creationId xmlns:a16="http://schemas.microsoft.com/office/drawing/2014/main" id="{A5D256B8-54E8-4B88-B5B4-BBC1657025C5}"/>
+              </a:ext>
+            </a:extLst>
+          </p:cNvPr>
+          <p:cNvSpPr>
+            <a:spLocks noGrp="1"/>
+          </p:cNvSpPr>
+          <p:nvPr>
+            <p:ph type="title"/>
+          </p:nvPr>
+        </p:nvSpPr>
+        <p:spPr/>
+        <p:txBody>
+          <a:bodyPr/>
+          <a:lstStyle/>
+          <a:p>
+            <a:r>
+              <a:rPr lang="en-GB" dirty="0"/>
+              <a:t>Work for this week</a:t>
+            </a:r>
+            <a:endParaRPr lang="en-CA" dirty="0"/>
+          </a:p>
+        </p:txBody>
+      </p:sp>
+      <p:sp>
+        <p:nvSpPr>
+          <p:cNvPr id="3" name="Content Placeholder 2">
+            <a:extLst>
+              <a:ext uri="{FF2B5EF4-FFF2-40B4-BE49-F238E27FC236}">
+                <a16:creationId xmlns:a16="http://schemas.microsoft.com/office/drawing/2014/main" id="{0D625944-6D04-4404-B806-0C1F08CA75E1}"/>
+              </a:ext>
+            </a:extLst>
+          </p:cNvPr>
+          <p:cNvSpPr>
+            <a:spLocks noGrp="1"/>
+          </p:cNvSpPr>
+          <p:nvPr>
+            <p:ph idx="1"/>
+          </p:nvPr>
+        </p:nvSpPr>
+        <p:spPr/>
+        <p:txBody>
+          <a:bodyPr/>
+          <a:lstStyle/>
+          <a:p>
+            <a:r>
+              <a:rPr lang="en-GB" dirty="0"/>
+              <a:t>Check the performance for different window lengths and different forecasts days</a:t>
+            </a:r>
+          </a:p>
+          <a:p>
+            <a:r>
+              <a:rPr lang="en-GB" dirty="0"/>
+              <a:t>Check for the other 2 hydro sites</a:t>
+            </a:r>
+          </a:p>
+          <a:p>
+            <a:r>
+              <a:rPr lang="en-GB" dirty="0"/>
+              <a:t>apply the NS coefficient</a:t>
+            </a:r>
+          </a:p>
+          <a:p>
+            <a:endParaRPr lang="en-CA" dirty="0"/>
+          </a:p>
+        </p:txBody>
+      </p:sp>
+    </p:spTree>
+    <p:extLst>
+      <p:ext uri="{BB962C8B-B14F-4D97-AF65-F5344CB8AC3E}">
+        <p14:creationId xmlns:p14="http://schemas.microsoft.com/office/powerpoint/2010/main" val="1363609434"/>
+      </p:ext>
+    </p:extLst>
+  </p:cSld>
+  <p:clrMapOvr>
+    <a:masterClrMapping/>
+  </p:clrMapOvr>
+</p:sld>
+</file>
+
+<file path=ppt/slides/slide9.xml><?xml version="1.0" encoding="utf-8"?>
+<p:sld xmlns:a="http://schemas.openxmlformats.org/drawingml/2006/main" xmlns:r="http://schemas.openxmlformats.org/officeDocument/2006/relationships" xmlns:p="http://schemas.openxmlformats.org/presentationml/2006/main">
+  <p:cSld>
+    <p:spTree>
+      <p:nvGrpSpPr>
+        <p:cNvPr id="1" name=""/>
+        <p:cNvGrpSpPr/>
+        <p:nvPr/>
+      </p:nvGrpSpPr>
+      <p:grpSpPr>
+        <a:xfrm>
+          <a:off x="0" y="0"/>
+          <a:ext cx="0" cy="0"/>
+          <a:chOff x="0" y="0"/>
+          <a:chExt cx="0" cy="0"/>
+        </a:xfrm>
+      </p:grpSpPr>
+      <p:sp>
+        <p:nvSpPr>
+          <p:cNvPr id="2" name="Title 1">
+            <a:extLst>
+              <a:ext uri="{FF2B5EF4-FFF2-40B4-BE49-F238E27FC236}">
+                <a16:creationId xmlns:a16="http://schemas.microsoft.com/office/drawing/2014/main" id="{D06C75D2-8884-4188-BE69-C30B2034C75B}"/>
+              </a:ext>
+            </a:extLst>
+          </p:cNvPr>
+          <p:cNvSpPr>
+            <a:spLocks noGrp="1"/>
+          </p:cNvSpPr>
+          <p:nvPr>
+            <p:ph type="title"/>
+          </p:nvPr>
+        </p:nvSpPr>
+        <p:spPr/>
+        <p:txBody>
+          <a:bodyPr/>
+          <a:lstStyle/>
+          <a:p>
+            <a:r>
+              <a:rPr lang="en-GB" dirty="0"/>
+              <a:t>Other</a:t>
+            </a:r>
+            <a:endParaRPr lang="en-CA" dirty="0"/>
+          </a:p>
+        </p:txBody>
+      </p:sp>
+      <p:sp>
+        <p:nvSpPr>
+          <p:cNvPr id="3" name="Content Placeholder 2">
+            <a:extLst>
+              <a:ext uri="{FF2B5EF4-FFF2-40B4-BE49-F238E27FC236}">
+                <a16:creationId xmlns:a16="http://schemas.microsoft.com/office/drawing/2014/main" id="{2ABA94BB-1060-43B9-A59B-7E4429B14267}"/>
+              </a:ext>
+            </a:extLst>
+          </p:cNvPr>
+          <p:cNvSpPr>
+            <a:spLocks noGrp="1"/>
+          </p:cNvSpPr>
+          <p:nvPr>
+            <p:ph idx="1"/>
+          </p:nvPr>
+        </p:nvSpPr>
+        <p:spPr/>
+        <p:txBody>
+          <a:bodyPr/>
+          <a:lstStyle/>
+          <a:p>
+            <a:r>
+              <a:rPr lang="en-GB" dirty="0"/>
+              <a:t>Course FRST 538</a:t>
+            </a:r>
+            <a:endParaRPr lang="en-CA" dirty="0"/>
+          </a:p>
+        </p:txBody>
+      </p:sp>
+    </p:spTree>
+    <p:extLst>
+      <p:ext uri="{BB962C8B-B14F-4D97-AF65-F5344CB8AC3E}">
+        <p14:creationId xmlns:p14="http://schemas.microsoft.com/office/powerpoint/2010/main" val="3703755934"/>
       </p:ext>
     </p:extLst>
   </p:cSld>
